--- a/docs/Database Logic.pptx
+++ b/docs/Database Logic.pptx
@@ -268,7 +268,7 @@
           <a:p>
             <a:fld id="{8E38A466-912F-4638-A4B7-9291465C9E2A}" type="datetimeFigureOut">
               <a:rPr lang="hr-HR" smtClean="0"/>
-              <a:t>11.3.2020.</a:t>
+              <a:t>26.01.2021.</a:t>
             </a:fld>
             <a:endParaRPr lang="hr-HR"/>
           </a:p>
@@ -468,7 +468,7 @@
           <a:p>
             <a:fld id="{8E38A466-912F-4638-A4B7-9291465C9E2A}" type="datetimeFigureOut">
               <a:rPr lang="hr-HR" smtClean="0"/>
-              <a:t>11.3.2020.</a:t>
+              <a:t>26.01.2021.</a:t>
             </a:fld>
             <a:endParaRPr lang="hr-HR"/>
           </a:p>
@@ -678,7 +678,7 @@
           <a:p>
             <a:fld id="{8E38A466-912F-4638-A4B7-9291465C9E2A}" type="datetimeFigureOut">
               <a:rPr lang="hr-HR" smtClean="0"/>
-              <a:t>11.3.2020.</a:t>
+              <a:t>26.01.2021.</a:t>
             </a:fld>
             <a:endParaRPr lang="hr-HR"/>
           </a:p>
@@ -878,7 +878,7 @@
           <a:p>
             <a:fld id="{8E38A466-912F-4638-A4B7-9291465C9E2A}" type="datetimeFigureOut">
               <a:rPr lang="hr-HR" smtClean="0"/>
-              <a:t>11.3.2020.</a:t>
+              <a:t>26.01.2021.</a:t>
             </a:fld>
             <a:endParaRPr lang="hr-HR"/>
           </a:p>
@@ -1154,7 +1154,7 @@
           <a:p>
             <a:fld id="{8E38A466-912F-4638-A4B7-9291465C9E2A}" type="datetimeFigureOut">
               <a:rPr lang="hr-HR" smtClean="0"/>
-              <a:t>11.3.2020.</a:t>
+              <a:t>26.01.2021.</a:t>
             </a:fld>
             <a:endParaRPr lang="hr-HR"/>
           </a:p>
@@ -1422,7 +1422,7 @@
           <a:p>
             <a:fld id="{8E38A466-912F-4638-A4B7-9291465C9E2A}" type="datetimeFigureOut">
               <a:rPr lang="hr-HR" smtClean="0"/>
-              <a:t>11.3.2020.</a:t>
+              <a:t>26.01.2021.</a:t>
             </a:fld>
             <a:endParaRPr lang="hr-HR"/>
           </a:p>
@@ -1837,7 +1837,7 @@
           <a:p>
             <a:fld id="{8E38A466-912F-4638-A4B7-9291465C9E2A}" type="datetimeFigureOut">
               <a:rPr lang="hr-HR" smtClean="0"/>
-              <a:t>11.3.2020.</a:t>
+              <a:t>26.01.2021.</a:t>
             </a:fld>
             <a:endParaRPr lang="hr-HR"/>
           </a:p>
@@ -1979,7 +1979,7 @@
           <a:p>
             <a:fld id="{8E38A466-912F-4638-A4B7-9291465C9E2A}" type="datetimeFigureOut">
               <a:rPr lang="hr-HR" smtClean="0"/>
-              <a:t>11.3.2020.</a:t>
+              <a:t>26.01.2021.</a:t>
             </a:fld>
             <a:endParaRPr lang="hr-HR"/>
           </a:p>
@@ -2092,7 +2092,7 @@
           <a:p>
             <a:fld id="{8E38A466-912F-4638-A4B7-9291465C9E2A}" type="datetimeFigureOut">
               <a:rPr lang="hr-HR" smtClean="0"/>
-              <a:t>11.3.2020.</a:t>
+              <a:t>26.01.2021.</a:t>
             </a:fld>
             <a:endParaRPr lang="hr-HR"/>
           </a:p>
@@ -2405,7 +2405,7 @@
           <a:p>
             <a:fld id="{8E38A466-912F-4638-A4B7-9291465C9E2A}" type="datetimeFigureOut">
               <a:rPr lang="hr-HR" smtClean="0"/>
-              <a:t>11.3.2020.</a:t>
+              <a:t>26.01.2021.</a:t>
             </a:fld>
             <a:endParaRPr lang="hr-HR"/>
           </a:p>
@@ -2694,7 +2694,7 @@
           <a:p>
             <a:fld id="{8E38A466-912F-4638-A4B7-9291465C9E2A}" type="datetimeFigureOut">
               <a:rPr lang="hr-HR" smtClean="0"/>
-              <a:t>11.3.2020.</a:t>
+              <a:t>26.01.2021.</a:t>
             </a:fld>
             <a:endParaRPr lang="hr-HR"/>
           </a:p>
@@ -2937,7 +2937,7 @@
           <a:p>
             <a:fld id="{8E38A466-912F-4638-A4B7-9291465C9E2A}" type="datetimeFigureOut">
               <a:rPr lang="hr-HR" smtClean="0"/>
-              <a:t>11.3.2020.</a:t>
+              <a:t>26.01.2021.</a:t>
             </a:fld>
             <a:endParaRPr lang="hr-HR"/>
           </a:p>
@@ -3931,13 +3931,11 @@
           </p:cNvPr>
           <p:cNvCxnSpPr>
             <a:cxnSpLocks/>
-            <a:stCxn id="28" idx="2"/>
-            <a:endCxn id="5" idx="0"/>
           </p:cNvCxnSpPr>
           <p:nvPr/>
         </p:nvCxnSpPr>
         <p:spPr>
-          <a:xfrm>
+          <a:xfrm rot="10800000">
             <a:off x="2942827" y="3630881"/>
             <a:ext cx="0" cy="693927"/>
           </a:xfrm>
@@ -3992,10 +3990,9 @@
           <a:lstStyle/>
           <a:p>
             <a:r>
-              <a:rPr lang="en-US" dirty="0"/>
-              <a:t>1</a:t>
+              <a:rPr lang="hr-HR" dirty="0"/>
+              <a:t>V</a:t>
             </a:r>
-            <a:endParaRPr lang="hr-HR" dirty="0"/>
           </a:p>
         </p:txBody>
       </p:sp>
@@ -4352,7 +4349,7 @@
           <a:p>
             <a:r>
               <a:rPr lang="en-US" dirty="0"/>
-              <a:t>In the next slides, data is not the same as in “real” database… it’s just an representation…</a:t>
+              <a:t>In the next slides, data is not the same as in “real” database… it’s just a representation…</a:t>
             </a:r>
             <a:endParaRPr lang="hr-HR" dirty="0"/>
           </a:p>
@@ -4772,14 +4769,14 @@
           <p:nvPr>
             <p:extLst>
               <p:ext uri="{D42A27DB-BD31-4B8C-83A1-F6EECF244321}">
-                <p14:modId xmlns:p14="http://schemas.microsoft.com/office/powerpoint/2010/main" val="1111843298"/>
+                <p14:modId xmlns:p14="http://schemas.microsoft.com/office/powerpoint/2010/main" val="3565292065"/>
               </p:ext>
             </p:extLst>
           </p:nvPr>
         </p:nvGraphicFramePr>
         <p:xfrm>
-          <a:off x="605482" y="2795601"/>
-          <a:ext cx="5490518" cy="2225040"/>
+          <a:off x="605480" y="2795601"/>
+          <a:ext cx="7504849" cy="2225040"/>
         </p:xfrm>
         <a:graphic>
           <a:graphicData uri="http://schemas.openxmlformats.org/drawingml/2006/table">
@@ -4788,41 +4785,48 @@
                 <a:tableStyleId>{5C22544A-7EE6-4342-B048-85BDC9FD1C3A}</a:tableStyleId>
               </a:tblPr>
               <a:tblGrid>
-                <a:gridCol w="1954190">
+                <a:gridCol w="2275373">
                   <a:extLst>
                     <a:ext uri="{9D8B030D-6E8A-4147-A177-3AD203B41FA5}">
                       <a16:colId xmlns:a16="http://schemas.microsoft.com/office/drawing/2014/main" val="3459061120"/>
                     </a:ext>
                   </a:extLst>
                 </a:gridCol>
-                <a:gridCol w="693183">
+                <a:gridCol w="807113">
                   <a:extLst>
                     <a:ext uri="{9D8B030D-6E8A-4147-A177-3AD203B41FA5}">
                       <a16:colId xmlns:a16="http://schemas.microsoft.com/office/drawing/2014/main" val="2195485728"/>
                     </a:ext>
                   </a:extLst>
                 </a:gridCol>
-                <a:gridCol w="933199">
+                <a:gridCol w="1086576">
                   <a:extLst>
                     <a:ext uri="{9D8B030D-6E8A-4147-A177-3AD203B41FA5}">
                       <a16:colId xmlns:a16="http://schemas.microsoft.com/office/drawing/2014/main" val="1260603278"/>
                     </a:ext>
                   </a:extLst>
                 </a:gridCol>
-                <a:gridCol w="954973">
+                <a:gridCol w="1111929">
                   <a:extLst>
                     <a:ext uri="{9D8B030D-6E8A-4147-A177-3AD203B41FA5}">
                       <a16:colId xmlns:a16="http://schemas.microsoft.com/office/drawing/2014/main" val="3250384433"/>
                     </a:ext>
                   </a:extLst>
                 </a:gridCol>
-                <a:gridCol w="954973">
+                <a:gridCol w="1111929">
                   <a:extLst>
                     <a:ext uri="{9D8B030D-6E8A-4147-A177-3AD203B41FA5}">
                       <a16:colId xmlns:a16="http://schemas.microsoft.com/office/drawing/2014/main" val="753230055"/>
                     </a:ext>
                   </a:extLst>
                 </a:gridCol>
+                <a:gridCol w="1111929">
+                  <a:extLst>
+                    <a:ext uri="{9D8B030D-6E8A-4147-A177-3AD203B41FA5}">
+                      <a16:colId xmlns:a16="http://schemas.microsoft.com/office/drawing/2014/main" val="3349297467"/>
+                    </a:ext>
+                  </a:extLst>
+                </a:gridCol>
               </a:tblGrid>
               <a:tr h="370840">
                 <a:tc>
@@ -4897,6 +4901,37 @@
                       </a:r>
                       <a:r>
                         <a:rPr lang="en-US" dirty="0" err="1">
+                          <a:solidFill>
+                            <a:srgbClr val="FF0000"/>
+                          </a:solidFill>
+                        </a:rPr>
+                        <a:t>fk</a:t>
+                      </a:r>
+                      <a:endParaRPr lang="hr-HR" dirty="0">
+                        <a:solidFill>
+                          <a:srgbClr val="FF0000"/>
+                        </a:solidFill>
+                      </a:endParaRPr>
+                    </a:p>
+                  </a:txBody>
+                  <a:tcPr/>
+                </a:tc>
+                <a:tc>
+                  <a:txBody>
+                    <a:bodyPr/>
+                    <a:lstStyle/>
+                    <a:p>
+                      <a:pPr algn="ctr"/>
+                      <a:r>
+                        <a:rPr lang="hr-HR" dirty="0" err="1">
+                          <a:solidFill>
+                            <a:schemeClr val="bg1"/>
+                          </a:solidFill>
+                        </a:rPr>
+                        <a:t>Ticket_</a:t>
+                      </a:r>
+                      <a:r>
+                        <a:rPr lang="hr-HR" dirty="0" err="1">
                           <a:solidFill>
                             <a:srgbClr val="FF0000"/>
                           </a:solidFill>
@@ -4993,6 +5028,20 @@
                   </a:txBody>
                   <a:tcPr/>
                 </a:tc>
+                <a:tc>
+                  <a:txBody>
+                    <a:bodyPr/>
+                    <a:lstStyle/>
+                    <a:p>
+                      <a:pPr algn="ctr"/>
+                      <a:r>
+                        <a:rPr lang="hr-HR" dirty="0"/>
+                        <a:t>NULL</a:t>
+                      </a:r>
+                    </a:p>
+                  </a:txBody>
+                  <a:tcPr/>
+                </a:tc>
                 <a:extLst>
                   <a:ext uri="{0D108BD9-81ED-4DB2-BD59-A6C34878D82A}">
                     <a16:rowId xmlns:a16="http://schemas.microsoft.com/office/drawing/2014/main" val="3920316459"/>
@@ -5071,6 +5120,20 @@
                         <a:t>1</a:t>
                       </a:r>
                       <a:endParaRPr lang="hr-HR" dirty="0"/>
+                    </a:p>
+                  </a:txBody>
+                  <a:tcPr/>
+                </a:tc>
+                <a:tc>
+                  <a:txBody>
+                    <a:bodyPr/>
+                    <a:lstStyle/>
+                    <a:p>
+                      <a:pPr algn="ctr"/>
+                      <a:r>
+                        <a:rPr lang="hr-HR" dirty="0"/>
+                        <a:t>100</a:t>
+                      </a:r>
                     </a:p>
                   </a:txBody>
                   <a:tcPr/>
@@ -5173,6 +5236,20 @@
                   </a:txBody>
                   <a:tcPr/>
                 </a:tc>
+                <a:tc>
+                  <a:txBody>
+                    <a:bodyPr/>
+                    <a:lstStyle/>
+                    <a:p>
+                      <a:pPr algn="ctr"/>
+                      <a:r>
+                        <a:rPr lang="hr-HR" dirty="0"/>
+                        <a:t>NULL</a:t>
+                      </a:r>
+                    </a:p>
+                  </a:txBody>
+                  <a:tcPr/>
+                </a:tc>
                 <a:extLst>
                   <a:ext uri="{0D108BD9-81ED-4DB2-BD59-A6C34878D82A}">
                     <a16:rowId xmlns:a16="http://schemas.microsoft.com/office/drawing/2014/main" val="2179751259"/>
@@ -5271,6 +5348,20 @@
                   </a:txBody>
                   <a:tcPr/>
                 </a:tc>
+                <a:tc>
+                  <a:txBody>
+                    <a:bodyPr/>
+                    <a:lstStyle/>
+                    <a:p>
+                      <a:pPr algn="ctr"/>
+                      <a:r>
+                        <a:rPr lang="hr-HR" dirty="0"/>
+                        <a:t>101</a:t>
+                      </a:r>
+                    </a:p>
+                  </a:txBody>
+                  <a:tcPr/>
+                </a:tc>
                 <a:extLst>
                   <a:ext uri="{0D108BD9-81ED-4DB2-BD59-A6C34878D82A}">
                     <a16:rowId xmlns:a16="http://schemas.microsoft.com/office/drawing/2014/main" val="3510268340"/>
@@ -5331,6 +5422,34 @@
                         <a:defRPr/>
                       </a:pPr>
                       <a:r>
+                        <a:rPr lang="hr-HR" dirty="0"/>
+                        <a:t>2</a:t>
+                      </a:r>
+                    </a:p>
+                  </a:txBody>
+                  <a:tcPr/>
+                </a:tc>
+                <a:tc>
+                  <a:txBody>
+                    <a:bodyPr/>
+                    <a:lstStyle/>
+                    <a:p>
+                      <a:pPr algn="ctr"/>
+                      <a:r>
+                        <a:rPr lang="hr-HR" dirty="0"/>
+                        <a:t>535.10</a:t>
+                      </a:r>
+                    </a:p>
+                  </a:txBody>
+                  <a:tcPr/>
+                </a:tc>
+                <a:tc>
+                  <a:txBody>
+                    <a:bodyPr/>
+                    <a:lstStyle/>
+                    <a:p>
+                      <a:pPr algn="ctr"/>
+                      <a:r>
                         <a:rPr lang="en-US" dirty="0"/>
                         <a:t>1</a:t>
                       </a:r>
@@ -5346,25 +5465,9 @@
                     <a:p>
                       <a:pPr algn="ctr"/>
                       <a:r>
-                        <a:rPr lang="en-US" dirty="0"/>
-                        <a:t>77</a:t>
-                      </a:r>
-                      <a:endParaRPr lang="hr-HR" dirty="0"/>
-                    </a:p>
-                  </a:txBody>
-                  <a:tcPr/>
-                </a:tc>
-                <a:tc>
-                  <a:txBody>
-                    <a:bodyPr/>
-                    <a:lstStyle/>
-                    <a:p>
-                      <a:pPr algn="ctr"/>
-                      <a:r>
-                        <a:rPr lang="en-US" dirty="0"/>
-                        <a:t>1</a:t>
-                      </a:r>
-                      <a:endParaRPr lang="hr-HR" dirty="0"/>
+                        <a:rPr lang="hr-HR" dirty="0"/>
+                        <a:t>101</a:t>
+                      </a:r>
                     </a:p>
                   </a:txBody>
                   <a:tcPr/>
@@ -5393,8 +5496,8 @@
         </p:nvSpPr>
         <p:spPr>
           <a:xfrm>
-            <a:off x="1488727" y="5566377"/>
-            <a:ext cx="4633777" cy="369332"/>
+            <a:off x="2005562" y="5606134"/>
+            <a:ext cx="8158855" cy="369332"/>
           </a:xfrm>
           <a:prstGeom prst="rect">
             <a:avLst/>
@@ -5411,6 +5514,14 @@
               <a:rPr lang="en-US" dirty="0"/>
               <a:t>0-&gt;Add money to Account, 1-&gt;Ticket Payment</a:t>
             </a:r>
+            <a:r>
+              <a:rPr lang="hr-HR" dirty="0"/>
+              <a:t>, 2-&gt;</a:t>
+            </a:r>
+            <a:r>
+              <a:rPr lang="hr-HR" dirty="0" err="1"/>
+              <a:t>Payout</a:t>
+            </a:r>
             <a:endParaRPr lang="hr-HR" dirty="0"/>
           </a:p>
         </p:txBody>
@@ -5431,7 +5542,7 @@
         </p:nvCxnSpPr>
         <p:spPr>
           <a:xfrm flipV="1">
-            <a:off x="3726193" y="5033893"/>
+            <a:off x="4243028" y="5073650"/>
             <a:ext cx="0" cy="532484"/>
           </a:xfrm>
           <a:prstGeom prst="straightConnector1">
@@ -5551,14 +5662,14 @@
           <p:nvPr>
             <p:extLst>
               <p:ext uri="{D42A27DB-BD31-4B8C-83A1-F6EECF244321}">
-                <p14:modId xmlns:p14="http://schemas.microsoft.com/office/powerpoint/2010/main" val="2408712991"/>
+                <p14:modId xmlns:p14="http://schemas.microsoft.com/office/powerpoint/2010/main" val="1368739728"/>
               </p:ext>
             </p:extLst>
           </p:nvPr>
         </p:nvGraphicFramePr>
         <p:xfrm>
           <a:off x="605473" y="2709104"/>
-          <a:ext cx="6921763" cy="1594068"/>
+          <a:ext cx="6563952" cy="1594068"/>
         </p:xfrm>
         <a:graphic>
           <a:graphicData uri="http://schemas.openxmlformats.org/drawingml/2006/table">
@@ -5567,31 +5678,31 @@
                 <a:tableStyleId>{5C22544A-7EE6-4342-B048-85BDC9FD1C3A}</a:tableStyleId>
               </a:tblPr>
               <a:tblGrid>
-                <a:gridCol w="1488370">
+                <a:gridCol w="1447458">
                   <a:extLst>
                     <a:ext uri="{9D8B030D-6E8A-4147-A177-3AD203B41FA5}">
                       <a16:colId xmlns:a16="http://schemas.microsoft.com/office/drawing/2014/main" val="3385109042"/>
                     </a:ext>
                   </a:extLst>
                 </a:gridCol>
-                <a:gridCol w="1497496">
+                <a:gridCol w="1456332">
                   <a:extLst>
                     <a:ext uri="{9D8B030D-6E8A-4147-A177-3AD203B41FA5}">
                       <a16:colId xmlns:a16="http://schemas.microsoft.com/office/drawing/2014/main" val="3137338918"/>
                     </a:ext>
                   </a:extLst>
                 </a:gridCol>
-                <a:gridCol w="1881809">
+                <a:gridCol w="1830081">
                   <a:extLst>
                     <a:ext uri="{9D8B030D-6E8A-4147-A177-3AD203B41FA5}">
                       <a16:colId xmlns:a16="http://schemas.microsoft.com/office/drawing/2014/main" val="2727507495"/>
                     </a:ext>
                   </a:extLst>
                 </a:gridCol>
-                <a:gridCol w="2054088">
+                <a:gridCol w="1830081">
                   <a:extLst>
                     <a:ext uri="{9D8B030D-6E8A-4147-A177-3AD203B41FA5}">
-                      <a16:colId xmlns:a16="http://schemas.microsoft.com/office/drawing/2014/main" val="3685402098"/>
+                      <a16:colId xmlns:a16="http://schemas.microsoft.com/office/drawing/2014/main" val="4160741929"/>
                     </a:ext>
                   </a:extLst>
                 </a:gridCol>
@@ -5647,48 +5758,12 @@
                     <a:bodyPr/>
                     <a:lstStyle/>
                     <a:p>
-                      <a:pPr marL="0" marR="0" lvl="0" indent="0" algn="ctr" defTabSz="914400" rtl="0" eaLnBrk="1" fontAlgn="auto" latinLnBrk="0" hangingPunct="1">
-                        <a:lnSpc>
-                          <a:spcPct val="100000"/>
-                        </a:lnSpc>
-                        <a:spcBef>
-                          <a:spcPts val="0"/>
-                        </a:spcBef>
-                        <a:spcAft>
-                          <a:spcPts val="0"/>
-                        </a:spcAft>
-                        <a:buClrTx/>
-                        <a:buSzTx/>
-                        <a:buFontTx/>
-                        <a:buNone/>
-                        <a:tabLst/>
-                        <a:defRPr/>
-                      </a:pPr>
-                      <a:r>
-                        <a:rPr lang="en-US" dirty="0" err="1"/>
-                        <a:t>Transaction_ID</a:t>
-                      </a:r>
-                      <a:r>
-                        <a:rPr lang="en-US" dirty="0" err="1">
-                          <a:solidFill>
-                            <a:schemeClr val="bg1"/>
-                          </a:solidFill>
-                        </a:rPr>
-                        <a:t>_</a:t>
-                      </a:r>
-                      <a:r>
-                        <a:rPr lang="en-US" dirty="0" err="1">
-                          <a:solidFill>
-                            <a:srgbClr val="FF0000"/>
-                          </a:solidFill>
-                        </a:rPr>
-                        <a:t>fk</a:t>
-                      </a:r>
-                      <a:endParaRPr lang="hr-HR" dirty="0">
-                        <a:solidFill>
-                          <a:srgbClr val="FF0000"/>
-                        </a:solidFill>
-                      </a:endParaRPr>
+                      <a:pPr algn="ctr"/>
+                      <a:r>
+                        <a:rPr lang="hr-HR" dirty="0" err="1"/>
+                        <a:t>Ticket_Status</a:t>
+                      </a:r>
+                      <a:endParaRPr lang="hr-HR" dirty="0"/>
                     </a:p>
                   </a:txBody>
                   <a:tcPr/>
@@ -5752,10 +5827,9 @@
                     <a:p>
                       <a:pPr algn="ctr"/>
                       <a:r>
-                        <a:rPr lang="en-US" dirty="0"/>
-                        <a:t>1</a:t>
-                      </a:r>
-                      <a:endParaRPr lang="hr-HR" dirty="0"/>
+                        <a:rPr lang="hr-HR" dirty="0"/>
+                        <a:t>0</a:t>
+                      </a:r>
                     </a:p>
                   </a:txBody>
                   <a:tcPr/>
@@ -5819,10 +5893,9 @@
                     <a:p>
                       <a:pPr algn="ctr"/>
                       <a:r>
-                        <a:rPr lang="en-US" dirty="0"/>
-                        <a:t>3</a:t>
-                      </a:r>
-                      <a:endParaRPr lang="hr-HR" dirty="0"/>
+                        <a:rPr lang="hr-HR" dirty="0"/>
+                        <a:t>0</a:t>
+                      </a:r>
                     </a:p>
                   </a:txBody>
                   <a:tcPr/>
@@ -5886,10 +5959,9 @@
                     <a:p>
                       <a:pPr algn="ctr"/>
                       <a:r>
-                        <a:rPr lang="en-US" dirty="0"/>
-                        <a:t>4</a:t>
-                      </a:r>
-                      <a:endParaRPr lang="hr-HR" dirty="0"/>
+                        <a:rPr lang="hr-HR" dirty="0"/>
+                        <a:t>0</a:t>
+                      </a:r>
                     </a:p>
                   </a:txBody>
                   <a:tcPr/>
@@ -5904,6 +5976,115 @@
           </a:graphicData>
         </a:graphic>
       </p:graphicFrame>
+      <p:sp>
+        <p:nvSpPr>
+          <p:cNvPr id="5" name="TextBox 4">
+            <a:extLst>
+              <a:ext uri="{FF2B5EF4-FFF2-40B4-BE49-F238E27FC236}">
+                <a16:creationId xmlns:a16="http://schemas.microsoft.com/office/drawing/2014/main" id="{288363C4-611F-4F9C-A3AD-E0DEAB213DDF}"/>
+              </a:ext>
+            </a:extLst>
+          </p:cNvPr>
+          <p:cNvSpPr txBox="1"/>
+          <p:nvPr/>
+        </p:nvSpPr>
+        <p:spPr>
+          <a:xfrm>
+            <a:off x="1977082" y="4824255"/>
+            <a:ext cx="8158855" cy="369332"/>
+          </a:xfrm>
+          <a:prstGeom prst="rect">
+            <a:avLst/>
+          </a:prstGeom>
+          <a:noFill/>
+        </p:spPr>
+        <p:txBody>
+          <a:bodyPr wrap="square" rtlCol="0">
+            <a:spAutoFit/>
+          </a:bodyPr>
+          <a:lstStyle/>
+          <a:p>
+            <a:r>
+              <a:rPr lang="en-US" dirty="0"/>
+              <a:t>0-&gt;</a:t>
+            </a:r>
+            <a:r>
+              <a:rPr lang="hr-HR" dirty="0"/>
+              <a:t>Waiting for </a:t>
+            </a:r>
+            <a:r>
+              <a:rPr lang="hr-HR" dirty="0" err="1"/>
+              <a:t>results</a:t>
+            </a:r>
+            <a:r>
+              <a:rPr lang="en-US" dirty="0"/>
+              <a:t>, 1-&gt;</a:t>
+            </a:r>
+            <a:r>
+              <a:rPr lang="hr-HR" dirty="0" err="1"/>
+              <a:t>Canceled</a:t>
+            </a:r>
+            <a:r>
+              <a:rPr lang="hr-HR" dirty="0"/>
+              <a:t>, 2-&gt;Invalid, 3-&gt;</a:t>
+            </a:r>
+            <a:r>
+              <a:rPr lang="hr-HR" dirty="0" err="1"/>
+              <a:t>Victorious</a:t>
+            </a:r>
+            <a:r>
+              <a:rPr lang="hr-HR" dirty="0"/>
+              <a:t>, 4-&gt;</a:t>
+            </a:r>
+            <a:r>
+              <a:rPr lang="hr-HR" dirty="0" err="1"/>
+              <a:t>Failed</a:t>
+            </a:r>
+            <a:endParaRPr lang="hr-HR" dirty="0"/>
+          </a:p>
+        </p:txBody>
+      </p:sp>
+      <p:cxnSp>
+        <p:nvCxnSpPr>
+          <p:cNvPr id="6" name="Straight Arrow Connector 5">
+            <a:extLst>
+              <a:ext uri="{FF2B5EF4-FFF2-40B4-BE49-F238E27FC236}">
+                <a16:creationId xmlns:a16="http://schemas.microsoft.com/office/drawing/2014/main" id="{261A5D4F-50F5-4FDD-85D1-3F66947DBFA1}"/>
+              </a:ext>
+            </a:extLst>
+          </p:cNvPr>
+          <p:cNvCxnSpPr>
+            <a:cxnSpLocks/>
+          </p:cNvCxnSpPr>
+          <p:nvPr/>
+        </p:nvCxnSpPr>
+        <p:spPr>
+          <a:xfrm flipV="1">
+            <a:off x="6270611" y="4291771"/>
+            <a:ext cx="0" cy="532484"/>
+          </a:xfrm>
+          <a:prstGeom prst="straightConnector1">
+            <a:avLst/>
+          </a:prstGeom>
+          <a:ln w="28575">
+            <a:tailEnd type="triangle"/>
+          </a:ln>
+        </p:spPr>
+        <p:style>
+          <a:lnRef idx="1">
+            <a:schemeClr val="accent1"/>
+          </a:lnRef>
+          <a:fillRef idx="0">
+            <a:schemeClr val="accent1"/>
+          </a:fillRef>
+          <a:effectRef idx="0">
+            <a:schemeClr val="accent1"/>
+          </a:effectRef>
+          <a:fontRef idx="minor">
+            <a:schemeClr val="tx1"/>
+          </a:fontRef>
+        </p:style>
+      </p:cxnSp>
     </p:spTree>
     <p:extLst>
       <p:ext uri="{BB962C8B-B14F-4D97-AF65-F5344CB8AC3E}">

--- a/docs/Database Logic.pptx
+++ b/docs/Database Logic.pptx
@@ -268,7 +268,7 @@
           <a:p>
             <a:fld id="{8E38A466-912F-4638-A4B7-9291465C9E2A}" type="datetimeFigureOut">
               <a:rPr lang="hr-HR" smtClean="0"/>
-              <a:t>26.01.2021.</a:t>
+              <a:t>30.01.2021.</a:t>
             </a:fld>
             <a:endParaRPr lang="hr-HR"/>
           </a:p>
@@ -468,7 +468,7 @@
           <a:p>
             <a:fld id="{8E38A466-912F-4638-A4B7-9291465C9E2A}" type="datetimeFigureOut">
               <a:rPr lang="hr-HR" smtClean="0"/>
-              <a:t>26.01.2021.</a:t>
+              <a:t>30.01.2021.</a:t>
             </a:fld>
             <a:endParaRPr lang="hr-HR"/>
           </a:p>
@@ -678,7 +678,7 @@
           <a:p>
             <a:fld id="{8E38A466-912F-4638-A4B7-9291465C9E2A}" type="datetimeFigureOut">
               <a:rPr lang="hr-HR" smtClean="0"/>
-              <a:t>26.01.2021.</a:t>
+              <a:t>30.01.2021.</a:t>
             </a:fld>
             <a:endParaRPr lang="hr-HR"/>
           </a:p>
@@ -878,7 +878,7 @@
           <a:p>
             <a:fld id="{8E38A466-912F-4638-A4B7-9291465C9E2A}" type="datetimeFigureOut">
               <a:rPr lang="hr-HR" smtClean="0"/>
-              <a:t>26.01.2021.</a:t>
+              <a:t>30.01.2021.</a:t>
             </a:fld>
             <a:endParaRPr lang="hr-HR"/>
           </a:p>
@@ -1154,7 +1154,7 @@
           <a:p>
             <a:fld id="{8E38A466-912F-4638-A4B7-9291465C9E2A}" type="datetimeFigureOut">
               <a:rPr lang="hr-HR" smtClean="0"/>
-              <a:t>26.01.2021.</a:t>
+              <a:t>30.01.2021.</a:t>
             </a:fld>
             <a:endParaRPr lang="hr-HR"/>
           </a:p>
@@ -1422,7 +1422,7 @@
           <a:p>
             <a:fld id="{8E38A466-912F-4638-A4B7-9291465C9E2A}" type="datetimeFigureOut">
               <a:rPr lang="hr-HR" smtClean="0"/>
-              <a:t>26.01.2021.</a:t>
+              <a:t>30.01.2021.</a:t>
             </a:fld>
             <a:endParaRPr lang="hr-HR"/>
           </a:p>
@@ -1837,7 +1837,7 @@
           <a:p>
             <a:fld id="{8E38A466-912F-4638-A4B7-9291465C9E2A}" type="datetimeFigureOut">
               <a:rPr lang="hr-HR" smtClean="0"/>
-              <a:t>26.01.2021.</a:t>
+              <a:t>30.01.2021.</a:t>
             </a:fld>
             <a:endParaRPr lang="hr-HR"/>
           </a:p>
@@ -1979,7 +1979,7 @@
           <a:p>
             <a:fld id="{8E38A466-912F-4638-A4B7-9291465C9E2A}" type="datetimeFigureOut">
               <a:rPr lang="hr-HR" smtClean="0"/>
-              <a:t>26.01.2021.</a:t>
+              <a:t>30.01.2021.</a:t>
             </a:fld>
             <a:endParaRPr lang="hr-HR"/>
           </a:p>
@@ -2092,7 +2092,7 @@
           <a:p>
             <a:fld id="{8E38A466-912F-4638-A4B7-9291465C9E2A}" type="datetimeFigureOut">
               <a:rPr lang="hr-HR" smtClean="0"/>
-              <a:t>26.01.2021.</a:t>
+              <a:t>30.01.2021.</a:t>
             </a:fld>
             <a:endParaRPr lang="hr-HR"/>
           </a:p>
@@ -2405,7 +2405,7 @@
           <a:p>
             <a:fld id="{8E38A466-912F-4638-A4B7-9291465C9E2A}" type="datetimeFigureOut">
               <a:rPr lang="hr-HR" smtClean="0"/>
-              <a:t>26.01.2021.</a:t>
+              <a:t>30.01.2021.</a:t>
             </a:fld>
             <a:endParaRPr lang="hr-HR"/>
           </a:p>
@@ -2694,7 +2694,7 @@
           <a:p>
             <a:fld id="{8E38A466-912F-4638-A4B7-9291465C9E2A}" type="datetimeFigureOut">
               <a:rPr lang="hr-HR" smtClean="0"/>
-              <a:t>26.01.2021.</a:t>
+              <a:t>30.01.2021.</a:t>
             </a:fld>
             <a:endParaRPr lang="hr-HR"/>
           </a:p>
@@ -2937,7 +2937,7 @@
           <a:p>
             <a:fld id="{8E38A466-912F-4638-A4B7-9291465C9E2A}" type="datetimeFigureOut">
               <a:rPr lang="hr-HR" smtClean="0"/>
-              <a:t>26.01.2021.</a:t>
+              <a:t>30.01.2021.</a:t>
             </a:fld>
             <a:endParaRPr lang="hr-HR"/>
           </a:p>
@@ -5662,14 +5662,14 @@
           <p:nvPr>
             <p:extLst>
               <p:ext uri="{D42A27DB-BD31-4B8C-83A1-F6EECF244321}">
-                <p14:modId xmlns:p14="http://schemas.microsoft.com/office/powerpoint/2010/main" val="1368739728"/>
+                <p14:modId xmlns:p14="http://schemas.microsoft.com/office/powerpoint/2010/main" val="1982056820"/>
               </p:ext>
             </p:extLst>
           </p:nvPr>
         </p:nvGraphicFramePr>
         <p:xfrm>
           <a:off x="605473" y="2709104"/>
-          <a:ext cx="6563952" cy="1594068"/>
+          <a:ext cx="7862668" cy="1594068"/>
         </p:xfrm>
         <a:graphic>
           <a:graphicData uri="http://schemas.openxmlformats.org/drawingml/2006/table">
@@ -5678,34 +5678,41 @@
                 <a:tableStyleId>{5C22544A-7EE6-4342-B048-85BDC9FD1C3A}</a:tableStyleId>
               </a:tblPr>
               <a:tblGrid>
-                <a:gridCol w="1447458">
+                <a:gridCol w="1355830">
                   <a:extLst>
                     <a:ext uri="{9D8B030D-6E8A-4147-A177-3AD203B41FA5}">
                       <a16:colId xmlns:a16="http://schemas.microsoft.com/office/drawing/2014/main" val="3385109042"/>
                     </a:ext>
                   </a:extLst>
                 </a:gridCol>
-                <a:gridCol w="1456332">
+                <a:gridCol w="1364142">
                   <a:extLst>
                     <a:ext uri="{9D8B030D-6E8A-4147-A177-3AD203B41FA5}">
                       <a16:colId xmlns:a16="http://schemas.microsoft.com/office/drawing/2014/main" val="3137338918"/>
                     </a:ext>
                   </a:extLst>
                 </a:gridCol>
-                <a:gridCol w="1830081">
+                <a:gridCol w="1714232">
                   <a:extLst>
                     <a:ext uri="{9D8B030D-6E8A-4147-A177-3AD203B41FA5}">
                       <a16:colId xmlns:a16="http://schemas.microsoft.com/office/drawing/2014/main" val="2727507495"/>
                     </a:ext>
                   </a:extLst>
                 </a:gridCol>
-                <a:gridCol w="1830081">
+                <a:gridCol w="1714232">
                   <a:extLst>
                     <a:ext uri="{9D8B030D-6E8A-4147-A177-3AD203B41FA5}">
                       <a16:colId xmlns:a16="http://schemas.microsoft.com/office/drawing/2014/main" val="4160741929"/>
                     </a:ext>
                   </a:extLst>
                 </a:gridCol>
+                <a:gridCol w="1714232">
+                  <a:extLst>
+                    <a:ext uri="{9D8B030D-6E8A-4147-A177-3AD203B41FA5}">
+                      <a16:colId xmlns:a16="http://schemas.microsoft.com/office/drawing/2014/main" val="1119824273"/>
+                    </a:ext>
+                  </a:extLst>
+                </a:gridCol>
               </a:tblGrid>
               <a:tr h="481548">
                 <a:tc>
@@ -5762,6 +5769,21 @@
                       <a:r>
                         <a:rPr lang="hr-HR" dirty="0" err="1"/>
                         <a:t>Ticket_Status</a:t>
+                      </a:r>
+                      <a:endParaRPr lang="hr-HR" dirty="0"/>
+                    </a:p>
+                  </a:txBody>
+                  <a:tcPr/>
+                </a:tc>
+                <a:tc>
+                  <a:txBody>
+                    <a:bodyPr/>
+                    <a:lstStyle/>
+                    <a:p>
+                      <a:pPr algn="ctr"/>
+                      <a:r>
+                        <a:rPr lang="hr-HR" dirty="0" err="1"/>
+                        <a:t>Taxes</a:t>
                       </a:r>
                       <a:endParaRPr lang="hr-HR" dirty="0"/>
                     </a:p>
@@ -5834,6 +5856,20 @@
                   </a:txBody>
                   <a:tcPr/>
                 </a:tc>
+                <a:tc>
+                  <a:txBody>
+                    <a:bodyPr/>
+                    <a:lstStyle/>
+                    <a:p>
+                      <a:pPr algn="ctr"/>
+                      <a:r>
+                        <a:rPr lang="hr-HR" dirty="0"/>
+                        <a:t>32</a:t>
+                      </a:r>
+                    </a:p>
+                  </a:txBody>
+                  <a:tcPr/>
+                </a:tc>
                 <a:extLst>
                   <a:ext uri="{0D108BD9-81ED-4DB2-BD59-A6C34878D82A}">
                     <a16:rowId xmlns:a16="http://schemas.microsoft.com/office/drawing/2014/main" val="3920316459"/>
@@ -5900,6 +5936,20 @@
                   </a:txBody>
                   <a:tcPr/>
                 </a:tc>
+                <a:tc>
+                  <a:txBody>
+                    <a:bodyPr/>
+                    <a:lstStyle/>
+                    <a:p>
+                      <a:pPr algn="ctr"/>
+                      <a:r>
+                        <a:rPr lang="hr-HR" dirty="0"/>
+                        <a:t>50</a:t>
+                      </a:r>
+                    </a:p>
+                  </a:txBody>
+                  <a:tcPr/>
+                </a:tc>
                 <a:extLst>
                   <a:ext uri="{0D108BD9-81ED-4DB2-BD59-A6C34878D82A}">
                     <a16:rowId xmlns:a16="http://schemas.microsoft.com/office/drawing/2014/main" val="1966806956"/>
@@ -5962,6 +6012,21 @@
                         <a:rPr lang="hr-HR" dirty="0"/>
                         <a:t>0</a:t>
                       </a:r>
+                    </a:p>
+                  </a:txBody>
+                  <a:tcPr/>
+                </a:tc>
+                <a:tc>
+                  <a:txBody>
+                    <a:bodyPr/>
+                    <a:lstStyle/>
+                    <a:p>
+                      <a:pPr algn="ctr"/>
+                      <a:r>
+                        <a:rPr lang="hr-HR"/>
+                        <a:t>54</a:t>
+                      </a:r>
+                      <a:endParaRPr lang="hr-HR" dirty="0"/>
                     </a:p>
                   </a:txBody>
                   <a:tcPr/>
@@ -6060,7 +6125,7 @@
         </p:nvCxnSpPr>
         <p:spPr>
           <a:xfrm flipV="1">
-            <a:off x="6270611" y="4291771"/>
+            <a:off x="5912802" y="4291771"/>
             <a:ext cx="0" cy="532484"/>
           </a:xfrm>
           <a:prstGeom prst="straightConnector1">
